--- a/embeded-1 unit.pptx
+++ b/embeded-1 unit.pptx
@@ -5901,7 +5901,7 @@
             <a:fld id="{E7E21180-9A0B-4A0C-9BB7-B9879D515F1C}" type="datetimeFigureOut">
               <a:rPr lang="en-US" smtClean="0"/>
               <a:pPr/>
-              <a:t>8/28/2025</a:t>
+              <a:t>11/8/2025</a:t>
             </a:fld>
             <a:endParaRPr lang="en-IN"/>
           </a:p>
@@ -6656,7 +6656,7 @@
             <a:fld id="{1D8BD707-D9CF-40AE-B4C6-C98DA3205C09}" type="datetimeFigureOut">
               <a:rPr lang="en-US" smtClean="0"/>
               <a:pPr/>
-              <a:t>8/28/2025</a:t>
+              <a:t>11/8/2025</a:t>
             </a:fld>
             <a:endParaRPr lang="en-US"/>
           </a:p>
@@ -6823,7 +6823,7 @@
             <a:fld id="{1D8BD707-D9CF-40AE-B4C6-C98DA3205C09}" type="datetimeFigureOut">
               <a:rPr lang="en-US" smtClean="0"/>
               <a:pPr/>
-              <a:t>8/28/2025</a:t>
+              <a:t>11/8/2025</a:t>
             </a:fld>
             <a:endParaRPr lang="en-US"/>
           </a:p>
@@ -7000,7 +7000,7 @@
             <a:fld id="{1D8BD707-D9CF-40AE-B4C6-C98DA3205C09}" type="datetimeFigureOut">
               <a:rPr lang="en-US" smtClean="0"/>
               <a:pPr/>
-              <a:t>8/28/2025</a:t>
+              <a:t>11/8/2025</a:t>
             </a:fld>
             <a:endParaRPr lang="en-US"/>
           </a:p>
@@ -7167,7 +7167,7 @@
             <a:fld id="{1D8BD707-D9CF-40AE-B4C6-C98DA3205C09}" type="datetimeFigureOut">
               <a:rPr lang="en-US" smtClean="0"/>
               <a:pPr/>
-              <a:t>8/28/2025</a:t>
+              <a:t>11/8/2025</a:t>
             </a:fld>
             <a:endParaRPr lang="en-US"/>
           </a:p>
@@ -7410,7 +7410,7 @@
             <a:fld id="{1D8BD707-D9CF-40AE-B4C6-C98DA3205C09}" type="datetimeFigureOut">
               <a:rPr lang="en-US" smtClean="0"/>
               <a:pPr/>
-              <a:t>8/28/2025</a:t>
+              <a:t>11/8/2025</a:t>
             </a:fld>
             <a:endParaRPr lang="en-US"/>
           </a:p>
@@ -7695,7 +7695,7 @@
             <a:fld id="{1D8BD707-D9CF-40AE-B4C6-C98DA3205C09}" type="datetimeFigureOut">
               <a:rPr lang="en-US" smtClean="0"/>
               <a:pPr/>
-              <a:t>8/28/2025</a:t>
+              <a:t>11/8/2025</a:t>
             </a:fld>
             <a:endParaRPr lang="en-US"/>
           </a:p>
@@ -8119,7 +8119,7 @@
             <a:fld id="{1D8BD707-D9CF-40AE-B4C6-C98DA3205C09}" type="datetimeFigureOut">
               <a:rPr lang="en-US" smtClean="0"/>
               <a:pPr/>
-              <a:t>8/28/2025</a:t>
+              <a:t>11/8/2025</a:t>
             </a:fld>
             <a:endParaRPr lang="en-US"/>
           </a:p>
@@ -8234,7 +8234,7 @@
             <a:fld id="{1D8BD707-D9CF-40AE-B4C6-C98DA3205C09}" type="datetimeFigureOut">
               <a:rPr lang="en-US" smtClean="0"/>
               <a:pPr/>
-              <a:t>8/28/2025</a:t>
+              <a:t>11/8/2025</a:t>
             </a:fld>
             <a:endParaRPr lang="en-US"/>
           </a:p>
@@ -8326,7 +8326,7 @@
             <a:fld id="{1D8BD707-D9CF-40AE-B4C6-C98DA3205C09}" type="datetimeFigureOut">
               <a:rPr lang="en-US" smtClean="0"/>
               <a:pPr/>
-              <a:t>8/28/2025</a:t>
+              <a:t>11/8/2025</a:t>
             </a:fld>
             <a:endParaRPr lang="en-US"/>
           </a:p>
@@ -8600,7 +8600,7 @@
             <a:fld id="{1D8BD707-D9CF-40AE-B4C6-C98DA3205C09}" type="datetimeFigureOut">
               <a:rPr lang="en-US" smtClean="0"/>
               <a:pPr/>
-              <a:t>8/28/2025</a:t>
+              <a:t>11/8/2025</a:t>
             </a:fld>
             <a:endParaRPr lang="en-US"/>
           </a:p>
@@ -8854,7 +8854,7 @@
             <a:fld id="{1D8BD707-D9CF-40AE-B4C6-C98DA3205C09}" type="datetimeFigureOut">
               <a:rPr lang="en-US" smtClean="0"/>
               <a:pPr/>
-              <a:t>8/28/2025</a:t>
+              <a:t>11/8/2025</a:t>
             </a:fld>
             <a:endParaRPr lang="en-US"/>
           </a:p>
@@ -9073,7 +9073,7 @@
             <a:fld id="{1D8BD707-D9CF-40AE-B4C6-C98DA3205C09}" type="datetimeFigureOut">
               <a:rPr lang="en-US" smtClean="0"/>
               <a:pPr/>
-              <a:t>8/28/2025</a:t>
+              <a:t>11/8/2025</a:t>
             </a:fld>
             <a:endParaRPr lang="en-US"/>
           </a:p>
